--- a/img/diagrams.pptx
+++ b/img/diagrams.pptx
@@ -6,7 +6,8 @@
   </p:sldMasterIdLst>
   <p:sldIdLst>
     <p:sldId id="256" r:id="rId2"/>
-    <p:sldId id="260" r:id="rId3"/>
+    <p:sldId id="261" r:id="rId3"/>
+    <p:sldId id="260" r:id="rId4"/>
   </p:sldIdLst>
   <p:sldSz cx="12192000" cy="6858000"/>
   <p:notesSz cx="6858000" cy="9144000"/>
@@ -105,6 +106,11 @@
       </a:defRPr>
     </a:lvl9pPr>
   </p:defaultTextStyle>
+  <p:extLst>
+    <p:ext uri="{EFAFB233-063F-42B5-8137-9DF3F51BA10A}">
+      <p15:sldGuideLst xmlns:p15="http://schemas.microsoft.com/office/powerpoint/2012/main"/>
+    </p:ext>
+  </p:extLst>
 </p:presentation>
 </file>
 
@@ -3404,6 +3410,439 @@
       </p:grpSpPr>
       <p:grpSp>
         <p:nvGrpSpPr>
+          <p:cNvPr id="8" name="Group 7">
+            <a:extLst>
+              <a:ext uri="{FF2B5EF4-FFF2-40B4-BE49-F238E27FC236}">
+                <a16:creationId xmlns:a16="http://schemas.microsoft.com/office/drawing/2014/main" id="{12FA29B6-7012-42DC-89D4-46C7AD464B31}"/>
+              </a:ext>
+            </a:extLst>
+          </p:cNvPr>
+          <p:cNvGrpSpPr/>
+          <p:nvPr/>
+        </p:nvGrpSpPr>
+        <p:grpSpPr>
+          <a:xfrm>
+            <a:off x="0" y="990600"/>
+            <a:ext cx="12192000" cy="4876800"/>
+            <a:chOff x="0" y="990600"/>
+            <a:chExt cx="12192000" cy="4876800"/>
+          </a:xfrm>
+        </p:grpSpPr>
+        <p:pic>
+          <p:nvPicPr>
+            <p:cNvPr id="1026" name="Picture 2">
+              <a:extLst>
+                <a:ext uri="{FF2B5EF4-FFF2-40B4-BE49-F238E27FC236}">
+                  <a16:creationId xmlns:a16="http://schemas.microsoft.com/office/drawing/2014/main" id="{7E3D7F03-141B-49B1-8553-5BAE18E704CC}"/>
+                </a:ext>
+              </a:extLst>
+            </p:cNvPr>
+            <p:cNvPicPr>
+              <a:picLocks noChangeAspect="1" noChangeArrowheads="1"/>
+            </p:cNvPicPr>
+            <p:nvPr/>
+          </p:nvPicPr>
+          <p:blipFill>
+            <a:blip r:embed="rId2">
+              <a:extLst>
+                <a:ext uri="{28A0092B-C50C-407E-A947-70E740481C1C}">
+                  <a14:useLocalDpi xmlns:a14="http://schemas.microsoft.com/office/drawing/2010/main" val="0"/>
+                </a:ext>
+              </a:extLst>
+            </a:blip>
+            <a:srcRect/>
+            <a:stretch>
+              <a:fillRect/>
+            </a:stretch>
+          </p:blipFill>
+          <p:spPr bwMode="auto">
+            <a:xfrm>
+              <a:off x="0" y="990600"/>
+              <a:ext cx="12192000" cy="4876800"/>
+            </a:xfrm>
+            <a:prstGeom prst="rect">
+              <a:avLst/>
+            </a:prstGeom>
+            <a:noFill/>
+            <a:extLst>
+              <a:ext uri="{909E8E84-426E-40DD-AFC4-6F175D3DCCD1}">
+                <a14:hiddenFill xmlns:a14="http://schemas.microsoft.com/office/drawing/2010/main">
+                  <a:solidFill>
+                    <a:srgbClr val="FFFFFF"/>
+                  </a:solidFill>
+                </a14:hiddenFill>
+              </a:ext>
+            </a:extLst>
+          </p:spPr>
+        </p:pic>
+        <p:sp>
+          <p:nvSpPr>
+            <p:cNvPr id="3" name="TextBox 2">
+              <a:extLst>
+                <a:ext uri="{FF2B5EF4-FFF2-40B4-BE49-F238E27FC236}">
+                  <a16:creationId xmlns:a16="http://schemas.microsoft.com/office/drawing/2014/main" id="{B7EE5666-6100-4EC9-9686-EA8BEC9285B3}"/>
+                </a:ext>
+              </a:extLst>
+            </p:cNvPr>
+            <p:cNvSpPr txBox="1"/>
+            <p:nvPr/>
+          </p:nvSpPr>
+          <p:spPr>
+            <a:xfrm>
+              <a:off x="1385474" y="4032537"/>
+              <a:ext cx="1932495" cy="923330"/>
+            </a:xfrm>
+            <a:prstGeom prst="rect">
+              <a:avLst/>
+            </a:prstGeom>
+            <a:noFill/>
+          </p:spPr>
+          <p:txBody>
+            <a:bodyPr wrap="square" rtlCol="0">
+              <a:spAutoFit/>
+            </a:bodyPr>
+            <a:lstStyle/>
+            <a:p>
+              <a:pPr algn="ctr"/>
+              <a:r>
+                <a:rPr lang="en-US" dirty="0">
+                  <a:solidFill>
+                    <a:schemeClr val="accent1">
+                      <a:lumMod val="50000"/>
+                    </a:schemeClr>
+                  </a:solidFill>
+                  <a:latin typeface="Century Gothic" panose="020B0502020202020204" pitchFamily="34" charset="0"/>
+                </a:rPr>
+                <a:t>LOW </a:t>
+              </a:r>
+            </a:p>
+            <a:p>
+              <a:pPr algn="ctr"/>
+              <a:r>
+                <a:rPr lang="en-US" dirty="0">
+                  <a:solidFill>
+                    <a:schemeClr val="accent1">
+                      <a:lumMod val="50000"/>
+                    </a:schemeClr>
+                  </a:solidFill>
+                  <a:latin typeface="Century Gothic" panose="020B0502020202020204" pitchFamily="34" charset="0"/>
+                </a:rPr>
+                <a:t>debt to asset ratio</a:t>
+              </a:r>
+            </a:p>
+          </p:txBody>
+        </p:sp>
+        <p:cxnSp>
+          <p:nvCxnSpPr>
+            <p:cNvPr id="4" name="Straight Connector 3">
+              <a:extLst>
+                <a:ext uri="{FF2B5EF4-FFF2-40B4-BE49-F238E27FC236}">
+                  <a16:creationId xmlns:a16="http://schemas.microsoft.com/office/drawing/2014/main" id="{178257A7-3968-4249-AD15-0D4360F5E857}"/>
+                </a:ext>
+              </a:extLst>
+            </p:cNvPr>
+            <p:cNvCxnSpPr/>
+            <p:nvPr/>
+          </p:nvCxnSpPr>
+          <p:spPr>
+            <a:xfrm>
+              <a:off x="4140679" y="1940943"/>
+              <a:ext cx="0" cy="3191774"/>
+            </a:xfrm>
+            <a:prstGeom prst="line">
+              <a:avLst/>
+            </a:prstGeom>
+            <a:ln w="25400">
+              <a:solidFill>
+                <a:schemeClr val="accent1">
+                  <a:lumMod val="75000"/>
+                </a:schemeClr>
+              </a:solidFill>
+            </a:ln>
+          </p:spPr>
+          <p:style>
+            <a:lnRef idx="1">
+              <a:schemeClr val="accent1"/>
+            </a:lnRef>
+            <a:fillRef idx="0">
+              <a:schemeClr val="accent1"/>
+            </a:fillRef>
+            <a:effectRef idx="0">
+              <a:schemeClr val="accent1"/>
+            </a:effectRef>
+            <a:fontRef idx="minor">
+              <a:schemeClr val="tx1"/>
+            </a:fontRef>
+          </p:style>
+        </p:cxnSp>
+        <p:cxnSp>
+          <p:nvCxnSpPr>
+            <p:cNvPr id="6" name="Straight Arrow Connector 5">
+              <a:extLst>
+                <a:ext uri="{FF2B5EF4-FFF2-40B4-BE49-F238E27FC236}">
+                  <a16:creationId xmlns:a16="http://schemas.microsoft.com/office/drawing/2014/main" id="{CFB72B7D-4FEA-4B69-96A4-A7B1C1872CEE}"/>
+                </a:ext>
+              </a:extLst>
+            </p:cNvPr>
+            <p:cNvCxnSpPr>
+              <a:cxnSpLocks/>
+            </p:cNvCxnSpPr>
+            <p:nvPr/>
+          </p:nvCxnSpPr>
+          <p:spPr>
+            <a:xfrm flipH="1">
+              <a:off x="3317969" y="4494202"/>
+              <a:ext cx="591127" cy="0"/>
+            </a:xfrm>
+            <a:prstGeom prst="straightConnector1">
+              <a:avLst/>
+            </a:prstGeom>
+            <a:ln w="60325">
+              <a:solidFill>
+                <a:schemeClr val="accent1">
+                  <a:lumMod val="75000"/>
+                </a:schemeClr>
+              </a:solidFill>
+              <a:tailEnd type="triangle"/>
+            </a:ln>
+          </p:spPr>
+          <p:style>
+            <a:lnRef idx="1">
+              <a:schemeClr val="accent1"/>
+            </a:lnRef>
+            <a:fillRef idx="0">
+              <a:schemeClr val="accent1"/>
+            </a:fillRef>
+            <a:effectRef idx="0">
+              <a:schemeClr val="accent1"/>
+            </a:effectRef>
+            <a:fontRef idx="minor">
+              <a:schemeClr val="tx1"/>
+            </a:fontRef>
+          </p:style>
+        </p:cxnSp>
+        <p:sp>
+          <p:nvSpPr>
+            <p:cNvPr id="9" name="TextBox 8">
+              <a:extLst>
+                <a:ext uri="{FF2B5EF4-FFF2-40B4-BE49-F238E27FC236}">
+                  <a16:creationId xmlns:a16="http://schemas.microsoft.com/office/drawing/2014/main" id="{6FF7C0F3-6F83-4915-B688-4FE3CE3D7D03}"/>
+                </a:ext>
+              </a:extLst>
+            </p:cNvPr>
+            <p:cNvSpPr txBox="1"/>
+            <p:nvPr/>
+          </p:nvSpPr>
+          <p:spPr>
+            <a:xfrm>
+              <a:off x="5610006" y="4124870"/>
+              <a:ext cx="1932495" cy="369332"/>
+            </a:xfrm>
+            <a:prstGeom prst="rect">
+              <a:avLst/>
+            </a:prstGeom>
+            <a:noFill/>
+          </p:spPr>
+          <p:txBody>
+            <a:bodyPr wrap="square" rtlCol="0">
+              <a:spAutoFit/>
+            </a:bodyPr>
+            <a:lstStyle/>
+            <a:p>
+              <a:pPr algn="ctr"/>
+              <a:r>
+                <a:rPr lang="en-US" dirty="0">
+                  <a:solidFill>
+                    <a:schemeClr val="accent1">
+                      <a:lumMod val="50000"/>
+                    </a:schemeClr>
+                  </a:solidFill>
+                  <a:latin typeface="Century Gothic" panose="020B0502020202020204" pitchFamily="34" charset="0"/>
+                </a:rPr>
+                <a:t>MODERATE</a:t>
+              </a:r>
+            </a:p>
+          </p:txBody>
+        </p:sp>
+        <p:cxnSp>
+          <p:nvCxnSpPr>
+            <p:cNvPr id="10" name="Straight Connector 9">
+              <a:extLst>
+                <a:ext uri="{FF2B5EF4-FFF2-40B4-BE49-F238E27FC236}">
+                  <a16:creationId xmlns:a16="http://schemas.microsoft.com/office/drawing/2014/main" id="{3E4E5338-38A4-4DAB-B76E-EC658C376AD9}"/>
+                </a:ext>
+              </a:extLst>
+            </p:cNvPr>
+            <p:cNvCxnSpPr/>
+            <p:nvPr/>
+          </p:nvCxnSpPr>
+          <p:spPr>
+            <a:xfrm>
+              <a:off x="9077514" y="1922471"/>
+              <a:ext cx="0" cy="3191774"/>
+            </a:xfrm>
+            <a:prstGeom prst="line">
+              <a:avLst/>
+            </a:prstGeom>
+            <a:ln w="25400">
+              <a:solidFill>
+                <a:schemeClr val="accent1">
+                  <a:lumMod val="75000"/>
+                </a:schemeClr>
+              </a:solidFill>
+            </a:ln>
+          </p:spPr>
+          <p:style>
+            <a:lnRef idx="1">
+              <a:schemeClr val="accent1"/>
+            </a:lnRef>
+            <a:fillRef idx="0">
+              <a:schemeClr val="accent1"/>
+            </a:fillRef>
+            <a:effectRef idx="0">
+              <a:schemeClr val="accent1"/>
+            </a:effectRef>
+            <a:fontRef idx="minor">
+              <a:schemeClr val="tx1"/>
+            </a:fontRef>
+          </p:style>
+        </p:cxnSp>
+        <p:cxnSp>
+          <p:nvCxnSpPr>
+            <p:cNvPr id="11" name="Straight Arrow Connector 10">
+              <a:extLst>
+                <a:ext uri="{FF2B5EF4-FFF2-40B4-BE49-F238E27FC236}">
+                  <a16:creationId xmlns:a16="http://schemas.microsoft.com/office/drawing/2014/main" id="{2A06DA9B-73D0-4397-AAEA-3DE6CAF43C6B}"/>
+                </a:ext>
+              </a:extLst>
+            </p:cNvPr>
+            <p:cNvCxnSpPr>
+              <a:cxnSpLocks/>
+            </p:cNvCxnSpPr>
+            <p:nvPr/>
+          </p:nvCxnSpPr>
+          <p:spPr>
+            <a:xfrm>
+              <a:off x="9196724" y="4494202"/>
+              <a:ext cx="591127" cy="0"/>
+            </a:xfrm>
+            <a:prstGeom prst="straightConnector1">
+              <a:avLst/>
+            </a:prstGeom>
+            <a:ln w="60325">
+              <a:solidFill>
+                <a:schemeClr val="accent1">
+                  <a:lumMod val="75000"/>
+                </a:schemeClr>
+              </a:solidFill>
+              <a:tailEnd type="triangle"/>
+            </a:ln>
+          </p:spPr>
+          <p:style>
+            <a:lnRef idx="1">
+              <a:schemeClr val="accent1"/>
+            </a:lnRef>
+            <a:fillRef idx="0">
+              <a:schemeClr val="accent1"/>
+            </a:fillRef>
+            <a:effectRef idx="0">
+              <a:schemeClr val="accent1"/>
+            </a:effectRef>
+            <a:fontRef idx="minor">
+              <a:schemeClr val="tx1"/>
+            </a:fontRef>
+          </p:style>
+        </p:cxnSp>
+        <p:sp>
+          <p:nvSpPr>
+            <p:cNvPr id="12" name="TextBox 11">
+              <a:extLst>
+                <a:ext uri="{FF2B5EF4-FFF2-40B4-BE49-F238E27FC236}">
+                  <a16:creationId xmlns:a16="http://schemas.microsoft.com/office/drawing/2014/main" id="{E89DC7A5-5B69-400E-B2F4-75C900BD4D4F}"/>
+                </a:ext>
+              </a:extLst>
+            </p:cNvPr>
+            <p:cNvSpPr txBox="1"/>
+            <p:nvPr/>
+          </p:nvSpPr>
+          <p:spPr>
+            <a:xfrm>
+              <a:off x="9752311" y="4032537"/>
+              <a:ext cx="1932495" cy="923330"/>
+            </a:xfrm>
+            <a:prstGeom prst="rect">
+              <a:avLst/>
+            </a:prstGeom>
+            <a:noFill/>
+          </p:spPr>
+          <p:txBody>
+            <a:bodyPr wrap="square" rtlCol="0">
+              <a:spAutoFit/>
+            </a:bodyPr>
+            <a:lstStyle/>
+            <a:p>
+              <a:pPr algn="ctr"/>
+              <a:r>
+                <a:rPr lang="en-US" dirty="0">
+                  <a:solidFill>
+                    <a:schemeClr val="accent1">
+                      <a:lumMod val="50000"/>
+                    </a:schemeClr>
+                  </a:solidFill>
+                  <a:latin typeface="Century Gothic" panose="020B0502020202020204" pitchFamily="34" charset="0"/>
+                </a:rPr>
+                <a:t>HIGH</a:t>
+              </a:r>
+            </a:p>
+            <a:p>
+              <a:pPr algn="ctr"/>
+              <a:r>
+                <a:rPr lang="en-US" dirty="0">
+                  <a:solidFill>
+                    <a:schemeClr val="accent1">
+                      <a:lumMod val="50000"/>
+                    </a:schemeClr>
+                  </a:solidFill>
+                  <a:latin typeface="Century Gothic" panose="020B0502020202020204" pitchFamily="34" charset="0"/>
+                </a:rPr>
+                <a:t>debt to asset ratio</a:t>
+              </a:r>
+            </a:p>
+          </p:txBody>
+        </p:sp>
+      </p:grpSp>
+    </p:spTree>
+    <p:extLst>
+      <p:ext uri="{BB962C8B-B14F-4D97-AF65-F5344CB8AC3E}">
+        <p14:creationId xmlns:p14="http://schemas.microsoft.com/office/powerpoint/2010/main" val="1110057076"/>
+      </p:ext>
+    </p:extLst>
+  </p:cSld>
+  <p:clrMapOvr>
+    <a:masterClrMapping/>
+  </p:clrMapOvr>
+</p:sld>
+</file>
+
+<file path=ppt/slides/slide3.xml><?xml version="1.0" encoding="utf-8"?>
+<p:sld xmlns:a="http://schemas.openxmlformats.org/drawingml/2006/main" xmlns:r="http://schemas.openxmlformats.org/officeDocument/2006/relationships" xmlns:p="http://schemas.openxmlformats.org/presentationml/2006/main">
+  <p:cSld>
+    <p:spTree>
+      <p:nvGrpSpPr>
+        <p:cNvPr id="1" name=""/>
+        <p:cNvGrpSpPr/>
+        <p:nvPr/>
+      </p:nvGrpSpPr>
+      <p:grpSpPr>
+        <a:xfrm>
+          <a:off x="0" y="0"/>
+          <a:ext cx="0" cy="0"/>
+          <a:chOff x="0" y="0"/>
+          <a:chExt cx="0" cy="0"/>
+        </a:xfrm>
+      </p:grpSpPr>
+      <p:grpSp>
+        <p:nvGrpSpPr>
           <p:cNvPr id="38" name="Group 37">
             <a:extLst>
               <a:ext uri="{FF2B5EF4-FFF2-40B4-BE49-F238E27FC236}">
